--- a/тг бот_v2.pptx
+++ b/тг бот_v2.pptx
@@ -217,7 +217,7 @@
           <a:p>
             <a:fld id="{7B3E8914-4CE1-4B71-A431-7013D0AB5B42}" type="datetimeFigureOut">
               <a:rPr lang="ru-RU" smtClean="0"/>
-              <a:t>22.04.2024</a:t>
+              <a:t>23.04.2024</a:t>
             </a:fld>
             <a:endParaRPr lang="ru-RU"/>
           </a:p>
@@ -1471,7 +1471,7 @@
           <a:p>
             <a:fld id="{291D9A7C-CFB2-4467-A12D-7BD77E79C1D7}" type="datetimeFigureOut">
               <a:rPr lang="ru-RU" smtClean="0"/>
-              <a:t>22.04.2024</a:t>
+              <a:t>23.04.2024</a:t>
             </a:fld>
             <a:endParaRPr lang="ru-RU"/>
           </a:p>
@@ -1681,7 +1681,7 @@
           <a:p>
             <a:fld id="{291D9A7C-CFB2-4467-A12D-7BD77E79C1D7}" type="datetimeFigureOut">
               <a:rPr lang="ru-RU" smtClean="0"/>
-              <a:t>22.04.2024</a:t>
+              <a:t>23.04.2024</a:t>
             </a:fld>
             <a:endParaRPr lang="ru-RU"/>
           </a:p>
@@ -1901,7 +1901,7 @@
           <a:p>
             <a:fld id="{291D9A7C-CFB2-4467-A12D-7BD77E79C1D7}" type="datetimeFigureOut">
               <a:rPr lang="ru-RU" smtClean="0"/>
-              <a:t>22.04.2024</a:t>
+              <a:t>23.04.2024</a:t>
             </a:fld>
             <a:endParaRPr lang="ru-RU"/>
           </a:p>
@@ -2111,7 +2111,7 @@
           <a:p>
             <a:fld id="{291D9A7C-CFB2-4467-A12D-7BD77E79C1D7}" type="datetimeFigureOut">
               <a:rPr lang="ru-RU" smtClean="0"/>
-              <a:t>22.04.2024</a:t>
+              <a:t>23.04.2024</a:t>
             </a:fld>
             <a:endParaRPr lang="ru-RU"/>
           </a:p>
@@ -2398,7 +2398,7 @@
           <a:p>
             <a:fld id="{291D9A7C-CFB2-4467-A12D-7BD77E79C1D7}" type="datetimeFigureOut">
               <a:rPr lang="ru-RU" smtClean="0"/>
-              <a:t>22.04.2024</a:t>
+              <a:t>23.04.2024</a:t>
             </a:fld>
             <a:endParaRPr lang="ru-RU"/>
           </a:p>
@@ -2675,7 +2675,7 @@
           <a:p>
             <a:fld id="{291D9A7C-CFB2-4467-A12D-7BD77E79C1D7}" type="datetimeFigureOut">
               <a:rPr lang="ru-RU" smtClean="0"/>
-              <a:t>22.04.2024</a:t>
+              <a:t>23.04.2024</a:t>
             </a:fld>
             <a:endParaRPr lang="ru-RU"/>
           </a:p>
@@ -3099,7 +3099,7 @@
           <a:p>
             <a:fld id="{291D9A7C-CFB2-4467-A12D-7BD77E79C1D7}" type="datetimeFigureOut">
               <a:rPr lang="ru-RU" smtClean="0"/>
-              <a:t>22.04.2024</a:t>
+              <a:t>23.04.2024</a:t>
             </a:fld>
             <a:endParaRPr lang="ru-RU"/>
           </a:p>
@@ -3252,7 +3252,7 @@
           <a:p>
             <a:fld id="{291D9A7C-CFB2-4467-A12D-7BD77E79C1D7}" type="datetimeFigureOut">
               <a:rPr lang="ru-RU" smtClean="0"/>
-              <a:t>22.04.2024</a:t>
+              <a:t>23.04.2024</a:t>
             </a:fld>
             <a:endParaRPr lang="ru-RU"/>
           </a:p>
@@ -3377,7 +3377,7 @@
           <a:p>
             <a:fld id="{291D9A7C-CFB2-4467-A12D-7BD77E79C1D7}" type="datetimeFigureOut">
               <a:rPr lang="ru-RU" smtClean="0"/>
-              <a:t>22.04.2024</a:t>
+              <a:t>23.04.2024</a:t>
             </a:fld>
             <a:endParaRPr lang="ru-RU"/>
           </a:p>
@@ -3700,7 +3700,7 @@
           <a:p>
             <a:fld id="{291D9A7C-CFB2-4467-A12D-7BD77E79C1D7}" type="datetimeFigureOut">
               <a:rPr lang="ru-RU" smtClean="0"/>
-              <a:t>22.04.2024</a:t>
+              <a:t>23.04.2024</a:t>
             </a:fld>
             <a:endParaRPr lang="ru-RU"/>
           </a:p>
@@ -4000,7 +4000,7 @@
           <a:p>
             <a:fld id="{291D9A7C-CFB2-4467-A12D-7BD77E79C1D7}" type="datetimeFigureOut">
               <a:rPr lang="ru-RU" smtClean="0"/>
-              <a:t>22.04.2024</a:t>
+              <a:t>23.04.2024</a:t>
             </a:fld>
             <a:endParaRPr lang="ru-RU"/>
           </a:p>
@@ -4253,7 +4253,7 @@
           <a:p>
             <a:fld id="{291D9A7C-CFB2-4467-A12D-7BD77E79C1D7}" type="datetimeFigureOut">
               <a:rPr lang="ru-RU" smtClean="0"/>
-              <a:t>22.04.2024</a:t>
+              <a:t>23.04.2024</a:t>
             </a:fld>
             <a:endParaRPr lang="ru-RU"/>
           </a:p>
@@ -12078,8 +12078,8 @@
         </p:nvSpPr>
         <p:spPr>
           <a:xfrm>
-            <a:off x="477980" y="1533842"/>
-            <a:ext cx="5023659" cy="3723957"/>
+            <a:off x="481029" y="2138873"/>
+            <a:ext cx="6145457" cy="2610743"/>
           </a:xfrm>
           <a:prstGeom prst="rect">
             <a:avLst/>
@@ -12111,7 +12111,53 @@
                 <a:ea typeface="+mj-ea"/>
                 <a:cs typeface="+mj-cs"/>
               </a:rPr>
-              <a:t>Мое лицо если не 100 баллов:</a:t>
+              <a:t>Мое лицо если </a:t>
+            </a:r>
+          </a:p>
+          <a:p>
+            <a:pPr>
+              <a:lnSpc>
+                <a:spcPct val="90000"/>
+              </a:lnSpc>
+              <a:spcBef>
+                <a:spcPct val="0"/>
+              </a:spcBef>
+              <a:spcAft>
+                <a:spcPts val="600"/>
+              </a:spcAft>
+            </a:pPr>
+            <a:r>
+              <a:rPr lang="ru-RU" sz="4800" b="1" dirty="0">
+                <a:solidFill>
+                  <a:schemeClr val="bg1"/>
+                </a:solidFill>
+                <a:latin typeface="+mj-lt"/>
+                <a:ea typeface="+mj-ea"/>
+                <a:cs typeface="+mj-cs"/>
+              </a:rPr>
+              <a:t>Оценка  </a:t>
+            </a:r>
+            <a:r>
+              <a:rPr lang="en-US" sz="4800" b="1" dirty="0">
+                <a:solidFill>
+                  <a:schemeClr val="bg1"/>
+                </a:solidFill>
+                <a:latin typeface="+mj-lt"/>
+                <a:ea typeface="+mj-ea"/>
+                <a:cs typeface="+mj-cs"/>
+              </a:rPr>
+              <a:t>&lt; 70</a:t>
+            </a:r>
+            <a:r>
+              <a:rPr lang="ru-RU" sz="4800" b="1" dirty="0">
+                <a:solidFill>
+                  <a:schemeClr val="bg1"/>
+                </a:solidFill>
+                <a:latin typeface="+mj-lt"/>
+                <a:ea typeface="+mj-ea"/>
+                <a:cs typeface="+mj-cs"/>
+              </a:rPr>
+              <a:t> баллов:</a:t>
             </a:r>
             <a:endParaRPr lang="en-US" sz="4800" b="1" dirty="0">
               <a:solidFill>
@@ -12306,6 +12352,60 @@
           </a:p>
         </p:txBody>
       </p:sp>
+      <p:sp>
+        <p:nvSpPr>
+          <p:cNvPr id="2" name="Прямоугольник 1">
+            <a:extLst>
+              <a:ext uri="{FF2B5EF4-FFF2-40B4-BE49-F238E27FC236}">
+                <a16:creationId xmlns:a16="http://schemas.microsoft.com/office/drawing/2014/main" id="{E90DF476-0F13-1980-2243-F03497DC1AFA}"/>
+              </a:ext>
+            </a:extLst>
+          </p:cNvPr>
+          <p:cNvSpPr/>
+          <p:nvPr/>
+        </p:nvSpPr>
+        <p:spPr>
+          <a:xfrm>
+            <a:off x="233680" y="487680"/>
+            <a:ext cx="1635760" cy="428752"/>
+          </a:xfrm>
+          <a:prstGeom prst="rect">
+            <a:avLst/>
+          </a:prstGeom>
+          <a:solidFill>
+            <a:schemeClr val="tx1"/>
+          </a:solidFill>
+          <a:ln>
+            <a:solidFill>
+              <a:schemeClr val="tx1"/>
+            </a:solidFill>
+          </a:ln>
+        </p:spPr>
+        <p:style>
+          <a:lnRef idx="2">
+            <a:schemeClr val="accent1">
+              <a:shade val="15000"/>
+            </a:schemeClr>
+          </a:lnRef>
+          <a:fillRef idx="1">
+            <a:schemeClr val="accent1"/>
+          </a:fillRef>
+          <a:effectRef idx="0">
+            <a:schemeClr val="accent1"/>
+          </a:effectRef>
+          <a:fontRef idx="minor">
+            <a:schemeClr val="lt1"/>
+          </a:fontRef>
+        </p:style>
+        <p:txBody>
+          <a:bodyPr rtlCol="0" anchor="ctr"/>
+          <a:lstStyle/>
+          <a:p>
+            <a:pPr algn="ctr"/>
+            <a:endParaRPr lang="ru-RU"/>
+          </a:p>
+        </p:txBody>
+      </p:sp>
     </p:spTree>
     <p:extLst>
       <p:ext uri="{BB962C8B-B14F-4D97-AF65-F5344CB8AC3E}">
@@ -12322,7 +12422,7 @@
         <p:fade/>
         <p:sndAc>
           <p:stSnd>
-            <p:snd r:embed="rId2" name="tutututu-mem-demotivator.wav"/>
+            <p:snd r:embed="rId2" name="we-live-we-love-we-lie.wav"/>
           </p:stSnd>
         </p:sndAc>
       </p:transition>
@@ -12332,7 +12432,7 @@
         <p:fade/>
         <p:sndAc>
           <p:stSnd>
-            <p:snd r:embed="rId2" name="tutututu-mem-demotivator.wav"/>
+            <p:snd r:embed="rId2" name="we-live-we-love-we-lie.wav"/>
           </p:stSnd>
         </p:sndAc>
       </p:transition>
@@ -12823,13 +12923,13 @@
   <p:clrMapOvr>
     <a:masterClrMapping/>
   </p:clrMapOvr>
-  <mc:AlternateContent xmlns:mc="http://schemas.openxmlformats.org/markup-compatibility/2006">
-    <mc:Choice xmlns:p159="http://schemas.microsoft.com/office/powerpoint/2015/09/main" Requires="p159">
+  <mc:AlternateContent xmlns:mc="http://schemas.openxmlformats.org/markup-compatibility/2006" xmlns:p159="http://schemas.microsoft.com/office/powerpoint/2015/09/main">
+    <mc:Choice Requires="p159">
       <p:transition xmlns:p14="http://schemas.microsoft.com/office/powerpoint/2010/main" spd="slow" p14:dur="2000">
         <p159:morph option="byObject"/>
       </p:transition>
     </mc:Choice>
-    <mc:Fallback>
+    <mc:Fallback xmlns="">
       <p:transition spd="slow">
         <p:fade/>
       </p:transition>
@@ -12938,7 +13038,7 @@
           <p:nvPr/>
         </p:nvPicPr>
         <p:blipFill rotWithShape="1">
-          <a:blip r:embed="rId3">
+          <a:blip r:embed="rId2">
             <a:extLst>
               <a:ext uri="{28A0092B-C50C-407E-A947-70E740481C1C}">
                 <a14:useLocalDpi xmlns:a14="http://schemas.microsoft.com/office/drawing/2010/main" val="0"/>
@@ -13041,66 +13141,6 @@
       </p:sp>
       <p:sp>
         <p:nvSpPr>
-          <p:cNvPr id="3" name="TextBox 2">
-            <a:extLst>
-              <a:ext uri="{FF2B5EF4-FFF2-40B4-BE49-F238E27FC236}">
-                <a16:creationId xmlns:a16="http://schemas.microsoft.com/office/drawing/2014/main" id="{9BACB4DA-D324-019B-59D1-45363AE75CFF}"/>
-              </a:ext>
-            </a:extLst>
-          </p:cNvPr>
-          <p:cNvSpPr txBox="1"/>
-          <p:nvPr/>
-        </p:nvSpPr>
-        <p:spPr>
-          <a:xfrm>
-            <a:off x="481029" y="1085091"/>
-            <a:ext cx="4551219" cy="3442845"/>
-          </a:xfrm>
-          <a:prstGeom prst="rect">
-            <a:avLst/>
-          </a:prstGeom>
-        </p:spPr>
-        <p:txBody>
-          <a:bodyPr vert="horz" lIns="91440" tIns="45720" rIns="91440" bIns="45720" rtlCol="0" anchor="b">
-            <a:normAutofit/>
-          </a:bodyPr>
-          <a:lstStyle/>
-          <a:p>
-            <a:pPr>
-              <a:lnSpc>
-                <a:spcPct val="90000"/>
-              </a:lnSpc>
-              <a:spcBef>
-                <a:spcPct val="0"/>
-              </a:spcBef>
-              <a:spcAft>
-                <a:spcPts val="600"/>
-              </a:spcAft>
-            </a:pPr>
-            <a:r>
-              <a:rPr lang="ru-RU" sz="4800" b="1" dirty="0">
-                <a:solidFill>
-                  <a:schemeClr val="bg1"/>
-                </a:solidFill>
-                <a:latin typeface="+mj-lt"/>
-                <a:ea typeface="+mj-ea"/>
-                <a:cs typeface="+mj-cs"/>
-              </a:rPr>
-              <a:t>Мое лицо если 100 баллов:</a:t>
-            </a:r>
-            <a:endParaRPr lang="en-US" sz="4800" b="1" dirty="0">
-              <a:solidFill>
-                <a:schemeClr val="bg1"/>
-              </a:solidFill>
-              <a:latin typeface="+mj-lt"/>
-              <a:ea typeface="+mj-ea"/>
-              <a:cs typeface="+mj-cs"/>
-            </a:endParaRPr>
-          </a:p>
-        </p:txBody>
-      </p:sp>
-      <p:sp>
-        <p:nvSpPr>
           <p:cNvPr id="14" name="Rectangle 13">
             <a:extLst>
               <a:ext uri="{FF2B5EF4-FFF2-40B4-BE49-F238E27FC236}">
@@ -13260,6 +13300,187 @@
           </a:p>
         </p:txBody>
       </p:sp>
+      <p:sp>
+        <p:nvSpPr>
+          <p:cNvPr id="6" name="TextBox 5">
+            <a:extLst>
+              <a:ext uri="{FF2B5EF4-FFF2-40B4-BE49-F238E27FC236}">
+                <a16:creationId xmlns:a16="http://schemas.microsoft.com/office/drawing/2014/main" id="{04A1BC6A-E9FC-BEB7-96ED-AAB5334C9B82}"/>
+              </a:ext>
+            </a:extLst>
+          </p:cNvPr>
+          <p:cNvSpPr txBox="1"/>
+          <p:nvPr/>
+        </p:nvSpPr>
+        <p:spPr>
+          <a:xfrm>
+            <a:off x="481029" y="2138873"/>
+            <a:ext cx="6145457" cy="2610743"/>
+          </a:xfrm>
+          <a:prstGeom prst="rect">
+            <a:avLst/>
+          </a:prstGeom>
+        </p:spPr>
+        <p:txBody>
+          <a:bodyPr vert="horz" lIns="91440" tIns="45720" rIns="91440" bIns="45720" rtlCol="0" anchor="b">
+            <a:normAutofit/>
+          </a:bodyPr>
+          <a:lstStyle/>
+          <a:p>
+            <a:pPr>
+              <a:lnSpc>
+                <a:spcPct val="90000"/>
+              </a:lnSpc>
+              <a:spcBef>
+                <a:spcPct val="0"/>
+              </a:spcBef>
+              <a:spcAft>
+                <a:spcPts val="600"/>
+              </a:spcAft>
+            </a:pPr>
+            <a:r>
+              <a:rPr lang="ru-RU" sz="4800" b="1" dirty="0">
+                <a:solidFill>
+                  <a:schemeClr val="bg1"/>
+                </a:solidFill>
+                <a:latin typeface="+mj-lt"/>
+                <a:ea typeface="+mj-ea"/>
+                <a:cs typeface="+mj-cs"/>
+              </a:rPr>
+              <a:t>Мое лицо если </a:t>
+            </a:r>
+          </a:p>
+          <a:p>
+            <a:pPr>
+              <a:lnSpc>
+                <a:spcPct val="90000"/>
+              </a:lnSpc>
+              <a:spcBef>
+                <a:spcPct val="0"/>
+              </a:spcBef>
+              <a:spcAft>
+                <a:spcPts val="600"/>
+              </a:spcAft>
+            </a:pPr>
+            <a:r>
+              <a:rPr lang="ru-RU" sz="4800" b="1" dirty="0">
+                <a:solidFill>
+                  <a:schemeClr val="bg1"/>
+                </a:solidFill>
+                <a:latin typeface="+mj-lt"/>
+                <a:ea typeface="+mj-ea"/>
+                <a:cs typeface="+mj-cs"/>
+              </a:rPr>
+              <a:t>Оценка  </a:t>
+            </a:r>
+            <a:r>
+              <a:rPr lang="en-US" sz="4800" b="1" dirty="0">
+                <a:solidFill>
+                  <a:schemeClr val="bg1"/>
+                </a:solidFill>
+                <a:latin typeface="+mj-lt"/>
+                <a:ea typeface="+mj-ea"/>
+                <a:cs typeface="+mj-cs"/>
+              </a:rPr>
+              <a:t>&gt; 70</a:t>
+            </a:r>
+            <a:r>
+              <a:rPr lang="ru-RU" sz="4800" b="1" dirty="0">
+                <a:solidFill>
+                  <a:schemeClr val="bg1"/>
+                </a:solidFill>
+                <a:latin typeface="+mj-lt"/>
+                <a:ea typeface="+mj-ea"/>
+                <a:cs typeface="+mj-cs"/>
+              </a:rPr>
+              <a:t> баллов:</a:t>
+            </a:r>
+            <a:endParaRPr lang="en-US" sz="4800" b="1" dirty="0">
+              <a:solidFill>
+                <a:schemeClr val="bg1"/>
+              </a:solidFill>
+              <a:latin typeface="+mj-lt"/>
+              <a:ea typeface="+mj-ea"/>
+              <a:cs typeface="+mj-cs"/>
+            </a:endParaRPr>
+          </a:p>
+          <a:p>
+            <a:pPr>
+              <a:lnSpc>
+                <a:spcPct val="90000"/>
+              </a:lnSpc>
+              <a:spcBef>
+                <a:spcPct val="0"/>
+              </a:spcBef>
+              <a:spcAft>
+                <a:spcPts val="600"/>
+              </a:spcAft>
+            </a:pPr>
+            <a:endParaRPr lang="en-US" sz="4800" dirty="0">
+              <a:solidFill>
+                <a:schemeClr val="bg1"/>
+              </a:solidFill>
+              <a:latin typeface="+mj-lt"/>
+              <a:ea typeface="+mj-ea"/>
+              <a:cs typeface="+mj-cs"/>
+            </a:endParaRPr>
+          </a:p>
+        </p:txBody>
+      </p:sp>
+      <p:sp>
+        <p:nvSpPr>
+          <p:cNvPr id="7" name="Прямоугольник 6">
+            <a:extLst>
+              <a:ext uri="{FF2B5EF4-FFF2-40B4-BE49-F238E27FC236}">
+                <a16:creationId xmlns:a16="http://schemas.microsoft.com/office/drawing/2014/main" id="{F599A429-4E15-B9D5-72EA-7F0666E3C5CC}"/>
+              </a:ext>
+            </a:extLst>
+          </p:cNvPr>
+          <p:cNvSpPr/>
+          <p:nvPr/>
+        </p:nvSpPr>
+        <p:spPr>
+          <a:xfrm>
+            <a:off x="233680" y="487680"/>
+            <a:ext cx="1635760" cy="428752"/>
+          </a:xfrm>
+          <a:prstGeom prst="rect">
+            <a:avLst/>
+          </a:prstGeom>
+          <a:solidFill>
+            <a:schemeClr val="tx1"/>
+          </a:solidFill>
+          <a:ln>
+            <a:solidFill>
+              <a:schemeClr val="tx1"/>
+            </a:solidFill>
+          </a:ln>
+        </p:spPr>
+        <p:style>
+          <a:lnRef idx="2">
+            <a:schemeClr val="accent1">
+              <a:shade val="15000"/>
+            </a:schemeClr>
+          </a:lnRef>
+          <a:fillRef idx="1">
+            <a:schemeClr val="accent1"/>
+          </a:fillRef>
+          <a:effectRef idx="0">
+            <a:schemeClr val="accent1"/>
+          </a:effectRef>
+          <a:fontRef idx="minor">
+            <a:schemeClr val="lt1"/>
+          </a:fontRef>
+        </p:style>
+        <p:txBody>
+          <a:bodyPr rtlCol="0" anchor="ctr"/>
+          <a:lstStyle/>
+          <a:p>
+            <a:pPr algn="ctr"/>
+            <a:endParaRPr lang="ru-RU"/>
+          </a:p>
+        </p:txBody>
+      </p:sp>
     </p:spTree>
     <p:extLst>
       <p:ext uri="{BB962C8B-B14F-4D97-AF65-F5344CB8AC3E}">
@@ -13272,24 +13493,10 @@
   </p:clrMapOvr>
   <mc:AlternateContent xmlns:mc="http://schemas.openxmlformats.org/markup-compatibility/2006">
     <mc:Choice xmlns:p14="http://schemas.microsoft.com/office/powerpoint/2010/main" Requires="p14">
-      <p:transition spd="med" p14:dur="700">
-        <p:fade/>
-        <p:sndAc>
-          <p:stSnd>
-            <p:snd r:embed="rId2" name="povezlo-povezlo.wav"/>
-          </p:stSnd>
-        </p:sndAc>
-      </p:transition>
+      <p:transition p14:dur="10"/>
     </mc:Choice>
     <mc:Fallback>
-      <p:transition spd="med">
-        <p:fade/>
-        <p:sndAc>
-          <p:stSnd>
-            <p:snd r:embed="rId2" name="povezlo-povezlo.wav"/>
-          </p:stSnd>
-        </p:sndAc>
-      </p:transition>
+      <p:transition/>
     </mc:Fallback>
   </mc:AlternateContent>
 </p:sld>
@@ -13539,15 +13746,21 @@
   <p:clrMapOvr>
     <a:masterClrMapping/>
   </p:clrMapOvr>
-  <mc:AlternateContent xmlns:mc="http://schemas.openxmlformats.org/markup-compatibility/2006" xmlns:p15="http://schemas.microsoft.com/office/powerpoint/2012/main">
-    <mc:Choice Requires="p15">
+  <mc:AlternateContent xmlns:mc="http://schemas.openxmlformats.org/markup-compatibility/2006">
+    <mc:Choice xmlns:p15="http://schemas.microsoft.com/office/powerpoint/2012/main" Requires="p15">
       <p:transition xmlns:p14="http://schemas.microsoft.com/office/powerpoint/2010/main" spd="slow" p14:dur="2000">
         <p15:prstTrans prst="fracture"/>
+        <p:sndAc>
+          <p:endSnd/>
+        </p:sndAc>
       </p:transition>
     </mc:Choice>
-    <mc:Fallback xmlns="">
+    <mc:Fallback>
       <p:transition spd="slow">
         <p:fade/>
+        <p:sndAc>
+          <p:endSnd/>
+        </p:sndAc>
       </p:transition>
     </mc:Fallback>
   </mc:AlternateContent>
@@ -14231,13 +14444,13 @@
   <p:clrMapOvr>
     <a:masterClrMapping/>
   </p:clrMapOvr>
-  <mc:AlternateContent xmlns:mc="http://schemas.openxmlformats.org/markup-compatibility/2006">
-    <mc:Choice xmlns:p159="http://schemas.microsoft.com/office/powerpoint/2015/09/main" Requires="p159">
+  <mc:AlternateContent xmlns:mc="http://schemas.openxmlformats.org/markup-compatibility/2006" xmlns:p159="http://schemas.microsoft.com/office/powerpoint/2015/09/main">
+    <mc:Choice Requires="p159">
       <p:transition xmlns:p14="http://schemas.microsoft.com/office/powerpoint/2010/main" spd="slow" p14:dur="2000">
         <p159:morph option="byObject"/>
       </p:transition>
     </mc:Choice>
-    <mc:Fallback>
+    <mc:Fallback xmlns="">
       <p:transition spd="slow">
         <p:fade/>
       </p:transition>
@@ -14803,13 +15016,13 @@
   <p:clrMapOvr>
     <a:masterClrMapping/>
   </p:clrMapOvr>
-  <mc:AlternateContent xmlns:mc="http://schemas.openxmlformats.org/markup-compatibility/2006">
-    <mc:Choice xmlns:p159="http://schemas.microsoft.com/office/powerpoint/2015/09/main" Requires="p159">
+  <mc:AlternateContent xmlns:mc="http://schemas.openxmlformats.org/markup-compatibility/2006" xmlns:p159="http://schemas.microsoft.com/office/powerpoint/2015/09/main">
+    <mc:Choice Requires="p159">
       <p:transition xmlns:p14="http://schemas.microsoft.com/office/powerpoint/2010/main" spd="slow" p14:dur="2000">
         <p159:morph option="byObject"/>
       </p:transition>
     </mc:Choice>
-    <mc:Fallback>
+    <mc:Fallback xmlns="">
       <p:transition spd="slow">
         <p:fade/>
       </p:transition>
@@ -15375,13 +15588,13 @@
   <p:clrMapOvr>
     <a:masterClrMapping/>
   </p:clrMapOvr>
-  <mc:AlternateContent xmlns:mc="http://schemas.openxmlformats.org/markup-compatibility/2006">
-    <mc:Choice xmlns:p159="http://schemas.microsoft.com/office/powerpoint/2015/09/main" Requires="p159">
+  <mc:AlternateContent xmlns:mc="http://schemas.openxmlformats.org/markup-compatibility/2006" xmlns:p159="http://schemas.microsoft.com/office/powerpoint/2015/09/main">
+    <mc:Choice Requires="p159">
       <p:transition xmlns:p14="http://schemas.microsoft.com/office/powerpoint/2010/main" spd="slow" p14:dur="2000">
         <p159:morph option="byObject"/>
       </p:transition>
     </mc:Choice>
-    <mc:Fallback>
+    <mc:Fallback xmlns="">
       <p:transition spd="slow">
         <p:fade/>
       </p:transition>
